--- a/6_Tips/OpenModelica_Tutorials_6_Contents.pptx
+++ b/6_Tips/OpenModelica_Tutorials_6_Contents.pptx
@@ -210,7 +210,7 @@
           <a:p>
             <a:fld id="{C4670700-DA66-4BAD-8F9F-A4A758D36ABA}" type="datetimeFigureOut">
               <a:rPr kumimoji="1" lang="ja-JP" altLang="en-US" smtClean="0"/>
-              <a:t>2019/2/25</a:t>
+              <a:t>2021/8/23</a:t>
             </a:fld>
             <a:endParaRPr kumimoji="1" lang="ja-JP" altLang="en-US"/>
           </a:p>
@@ -656,7 +656,7 @@
           <a:p>
             <a:fld id="{CA2F2FF0-B0E3-4081-A194-5315B26D72C4}" type="datetime1">
               <a:rPr kumimoji="1" lang="ja-JP" altLang="en-US" smtClean="0"/>
-              <a:t>2019/2/25</a:t>
+              <a:t>2021/8/23</a:t>
             </a:fld>
             <a:endParaRPr kumimoji="1" lang="ja-JP" altLang="en-US"/>
           </a:p>
@@ -886,7 +886,7 @@
           <a:p>
             <a:fld id="{AA0CF445-3D47-45EB-B7B9-640298F78945}" type="datetime1">
               <a:rPr kumimoji="1" lang="ja-JP" altLang="en-US" smtClean="0"/>
-              <a:t>2019/2/25</a:t>
+              <a:t>2021/8/23</a:t>
             </a:fld>
             <a:endParaRPr kumimoji="1" lang="ja-JP" altLang="en-US"/>
           </a:p>
@@ -1126,7 +1126,7 @@
           <a:p>
             <a:fld id="{33274D65-32BF-448B-ADBF-66DCA4E8B106}" type="datetime1">
               <a:rPr kumimoji="1" lang="ja-JP" altLang="en-US" smtClean="0"/>
-              <a:t>2019/2/25</a:t>
+              <a:t>2021/8/23</a:t>
             </a:fld>
             <a:endParaRPr kumimoji="1" lang="ja-JP" altLang="en-US"/>
           </a:p>
@@ -1356,7 +1356,7 @@
           <a:p>
             <a:fld id="{852A9B57-A7E8-419F-90A8-90F2DA777A28}" type="datetime1">
               <a:rPr kumimoji="1" lang="ja-JP" altLang="en-US" smtClean="0"/>
-              <a:t>2019/2/25</a:t>
+              <a:t>2021/8/23</a:t>
             </a:fld>
             <a:endParaRPr kumimoji="1" lang="ja-JP" altLang="en-US"/>
           </a:p>
@@ -1631,7 +1631,7 @@
           <a:p>
             <a:fld id="{C90A889C-334E-44BD-8F41-5AC3386FFD37}" type="datetime1">
               <a:rPr kumimoji="1" lang="ja-JP" altLang="en-US" smtClean="0"/>
-              <a:t>2019/2/25</a:t>
+              <a:t>2021/8/23</a:t>
             </a:fld>
             <a:endParaRPr kumimoji="1" lang="ja-JP" altLang="en-US"/>
           </a:p>
@@ -1960,7 +1960,7 @@
           <a:p>
             <a:fld id="{58879D4E-6DF1-4713-B068-9512627C39B0}" type="datetime1">
               <a:rPr kumimoji="1" lang="ja-JP" altLang="en-US" smtClean="0"/>
-              <a:t>2019/2/25</a:t>
+              <a:t>2021/8/23</a:t>
             </a:fld>
             <a:endParaRPr kumimoji="1" lang="ja-JP" altLang="en-US"/>
           </a:p>
@@ -2436,7 +2436,7 @@
           <a:p>
             <a:fld id="{5DD38707-5E34-46C7-88C2-928145620E78}" type="datetime1">
               <a:rPr kumimoji="1" lang="ja-JP" altLang="en-US" smtClean="0"/>
-              <a:t>2019/2/25</a:t>
+              <a:t>2021/8/23</a:t>
             </a:fld>
             <a:endParaRPr kumimoji="1" lang="ja-JP" altLang="en-US"/>
           </a:p>
@@ -2577,7 +2577,7 @@
           <a:p>
             <a:fld id="{C7D5EE7D-C0B7-4B25-8104-5FCD7D2EAEA8}" type="datetime1">
               <a:rPr kumimoji="1" lang="ja-JP" altLang="en-US" smtClean="0"/>
-              <a:t>2019/2/25</a:t>
+              <a:t>2021/8/23</a:t>
             </a:fld>
             <a:endParaRPr kumimoji="1" lang="ja-JP" altLang="en-US"/>
           </a:p>
@@ -2690,7 +2690,7 @@
           <a:p>
             <a:fld id="{AA028A9A-8812-42D8-A8AC-F30CD1F57465}" type="datetime1">
               <a:rPr kumimoji="1" lang="ja-JP" altLang="en-US" smtClean="0"/>
-              <a:t>2019/2/25</a:t>
+              <a:t>2021/8/23</a:t>
             </a:fld>
             <a:endParaRPr kumimoji="1" lang="ja-JP" altLang="en-US"/>
           </a:p>
@@ -3033,7 +3033,7 @@
           <a:p>
             <a:fld id="{3638306A-7D11-4239-9371-3BFB25B5C686}" type="datetime1">
               <a:rPr kumimoji="1" lang="ja-JP" altLang="en-US" smtClean="0"/>
-              <a:t>2019/2/25</a:t>
+              <a:t>2021/8/23</a:t>
             </a:fld>
             <a:endParaRPr kumimoji="1" lang="ja-JP" altLang="en-US"/>
           </a:p>
@@ -3321,7 +3321,7 @@
           <a:p>
             <a:fld id="{25F8348D-66EA-4186-BB0B-99FB286568FF}" type="datetime1">
               <a:rPr kumimoji="1" lang="ja-JP" altLang="en-US" smtClean="0"/>
-              <a:t>2019/2/25</a:t>
+              <a:t>2021/8/23</a:t>
             </a:fld>
             <a:endParaRPr kumimoji="1" lang="ja-JP" altLang="en-US"/>
           </a:p>
@@ -3594,7 +3594,7 @@
           <a:p>
             <a:fld id="{AC9BD3EC-C0C8-40A6-81F1-9BBFA037EF8B}" type="datetime1">
               <a:rPr kumimoji="1" lang="ja-JP" altLang="en-US" smtClean="0"/>
-              <a:t>2019/2/25</a:t>
+              <a:t>2021/8/23</a:t>
             </a:fld>
             <a:endParaRPr kumimoji="1" lang="ja-JP" altLang="en-US"/>
           </a:p>
@@ -4139,59 +4139,202 @@
           </a:p>
         </p:txBody>
       </p:sp>
-      <p:sp>
-        <p:nvSpPr>
-          <p:cNvPr id="7" name="正方形/長方形 6">
-            <a:extLst>
-              <a:ext uri="{FF2B5EF4-FFF2-40B4-BE49-F238E27FC236}">
-                <a16:creationId xmlns:a16="http://schemas.microsoft.com/office/drawing/2014/main" id="{7AA58E1A-71F5-4213-BA60-B3FBF0C5484F}"/>
-              </a:ext>
-            </a:extLst>
-          </p:cNvPr>
-          <p:cNvSpPr/>
+      <p:pic>
+        <p:nvPicPr>
+          <p:cNvPr id="8" name="Picture 2" descr="by">
+            <a:extLst>
+              <a:ext uri="{FF2B5EF4-FFF2-40B4-BE49-F238E27FC236}">
+                <a16:creationId xmlns:a16="http://schemas.microsoft.com/office/drawing/2014/main" id="{1DF12EF0-4E38-412A-A723-F311EECFF18C}"/>
+              </a:ext>
+            </a:extLst>
+          </p:cNvPr>
+          <p:cNvPicPr>
+            <a:picLocks noChangeAspect="1" noChangeArrowheads="1"/>
+          </p:cNvPicPr>
           <p:nvPr/>
-        </p:nvSpPr>
-        <p:spPr>
+        </p:nvPicPr>
+        <p:blipFill>
+          <a:blip r:embed="rId2">
+            <a:extLst>
+              <a:ext uri="{28A0092B-C50C-407E-A947-70E740481C1C}">
+                <a14:useLocalDpi xmlns:a14="http://schemas.microsoft.com/office/drawing/2010/main" val="0"/>
+              </a:ext>
+            </a:extLst>
+          </a:blip>
+          <a:srcRect/>
+          <a:stretch>
+            <a:fillRect/>
+          </a:stretch>
+        </p:blipFill>
+        <p:spPr bwMode="auto">
           <a:xfrm>
-            <a:off x="3230707" y="5796050"/>
-            <a:ext cx="6096000" cy="1200329"/>
+            <a:off x="2639595" y="5528090"/>
+            <a:ext cx="1419225" cy="495300"/>
           </a:xfrm>
           <a:prstGeom prst="rect">
             <a:avLst/>
           </a:prstGeom>
+          <a:noFill/>
+          <a:extLst>
+            <a:ext uri="{909E8E84-426E-40DD-AFC4-6F175D3DCCD1}">
+              <a14:hiddenFill xmlns:a14="http://schemas.microsoft.com/office/drawing/2010/main">
+                <a:solidFill>
+                  <a:srgbClr val="FFFFFF"/>
+                </a:solidFill>
+              </a14:hiddenFill>
+            </a:ext>
+          </a:extLst>
         </p:spPr>
-        <p:txBody>
-          <a:bodyPr>
+      </p:pic>
+      <p:sp>
+        <p:nvSpPr>
+          <p:cNvPr id="9" name="テキスト ボックス 10">
+            <a:extLst>
+              <a:ext uri="{FF2B5EF4-FFF2-40B4-BE49-F238E27FC236}">
+                <a16:creationId xmlns:a16="http://schemas.microsoft.com/office/drawing/2014/main" id="{0DD77688-7441-483C-94C4-5FED73C9D41F}"/>
+              </a:ext>
+            </a:extLst>
+          </p:cNvPr>
+          <p:cNvSpPr txBox="1"/>
+          <p:nvPr/>
+        </p:nvSpPr>
+        <p:spPr>
+          <a:xfrm>
+            <a:off x="2534332" y="6075144"/>
+            <a:ext cx="7637686" cy="646331"/>
+          </a:xfrm>
+          <a:prstGeom prst="rect">
+            <a:avLst/>
+          </a:prstGeom>
+          <a:noFill/>
+        </p:spPr>
+        <p:txBody>
+          <a:bodyPr wrap="square">
             <a:spAutoFit/>
           </a:bodyPr>
-          <a:lstStyle/>
-          <a:p>
-            <a:pPr algn="ctr"/>
+          <a:lstStyle>
+            <a:defPPr>
+              <a:defRPr lang="ja-JP"/>
+            </a:defPPr>
+            <a:lvl1pPr marL="0" algn="l" defTabSz="914400" rtl="0" eaLnBrk="1" latinLnBrk="0" hangingPunct="1">
+              <a:defRPr kumimoji="1" sz="1800" kern="1200">
+                <a:solidFill>
+                  <a:schemeClr val="tx1"/>
+                </a:solidFill>
+                <a:latin typeface="+mn-lt"/>
+                <a:ea typeface="+mn-ea"/>
+                <a:cs typeface="+mn-cs"/>
+              </a:defRPr>
+            </a:lvl1pPr>
+            <a:lvl2pPr marL="457200" algn="l" defTabSz="914400" rtl="0" eaLnBrk="1" latinLnBrk="0" hangingPunct="1">
+              <a:defRPr kumimoji="1" sz="1800" kern="1200">
+                <a:solidFill>
+                  <a:schemeClr val="tx1"/>
+                </a:solidFill>
+                <a:latin typeface="+mn-lt"/>
+                <a:ea typeface="+mn-ea"/>
+                <a:cs typeface="+mn-cs"/>
+              </a:defRPr>
+            </a:lvl2pPr>
+            <a:lvl3pPr marL="914400" algn="l" defTabSz="914400" rtl="0" eaLnBrk="1" latinLnBrk="0" hangingPunct="1">
+              <a:defRPr kumimoji="1" sz="1800" kern="1200">
+                <a:solidFill>
+                  <a:schemeClr val="tx1"/>
+                </a:solidFill>
+                <a:latin typeface="+mn-lt"/>
+                <a:ea typeface="+mn-ea"/>
+                <a:cs typeface="+mn-cs"/>
+              </a:defRPr>
+            </a:lvl3pPr>
+            <a:lvl4pPr marL="1371600" algn="l" defTabSz="914400" rtl="0" eaLnBrk="1" latinLnBrk="0" hangingPunct="1">
+              <a:defRPr kumimoji="1" sz="1800" kern="1200">
+                <a:solidFill>
+                  <a:schemeClr val="tx1"/>
+                </a:solidFill>
+                <a:latin typeface="+mn-lt"/>
+                <a:ea typeface="+mn-ea"/>
+                <a:cs typeface="+mn-cs"/>
+              </a:defRPr>
+            </a:lvl4pPr>
+            <a:lvl5pPr marL="1828800" algn="l" defTabSz="914400" rtl="0" eaLnBrk="1" latinLnBrk="0" hangingPunct="1">
+              <a:defRPr kumimoji="1" sz="1800" kern="1200">
+                <a:solidFill>
+                  <a:schemeClr val="tx1"/>
+                </a:solidFill>
+                <a:latin typeface="+mn-lt"/>
+                <a:ea typeface="+mn-ea"/>
+                <a:cs typeface="+mn-cs"/>
+              </a:defRPr>
+            </a:lvl5pPr>
+            <a:lvl6pPr marL="2286000" algn="l" defTabSz="914400" rtl="0" eaLnBrk="1" latinLnBrk="0" hangingPunct="1">
+              <a:defRPr kumimoji="1" sz="1800" kern="1200">
+                <a:solidFill>
+                  <a:schemeClr val="tx1"/>
+                </a:solidFill>
+                <a:latin typeface="+mn-lt"/>
+                <a:ea typeface="+mn-ea"/>
+                <a:cs typeface="+mn-cs"/>
+              </a:defRPr>
+            </a:lvl6pPr>
+            <a:lvl7pPr marL="2743200" algn="l" defTabSz="914400" rtl="0" eaLnBrk="1" latinLnBrk="0" hangingPunct="1">
+              <a:defRPr kumimoji="1" sz="1800" kern="1200">
+                <a:solidFill>
+                  <a:schemeClr val="tx1"/>
+                </a:solidFill>
+                <a:latin typeface="+mn-lt"/>
+                <a:ea typeface="+mn-ea"/>
+                <a:cs typeface="+mn-cs"/>
+              </a:defRPr>
+            </a:lvl7pPr>
+            <a:lvl8pPr marL="3200400" algn="l" defTabSz="914400" rtl="0" eaLnBrk="1" latinLnBrk="0" hangingPunct="1">
+              <a:defRPr kumimoji="1" sz="1800" kern="1200">
+                <a:solidFill>
+                  <a:schemeClr val="tx1"/>
+                </a:solidFill>
+                <a:latin typeface="+mn-lt"/>
+                <a:ea typeface="+mn-ea"/>
+                <a:cs typeface="+mn-cs"/>
+              </a:defRPr>
+            </a:lvl8pPr>
+            <a:lvl9pPr marL="3657600" algn="l" defTabSz="914400" rtl="0" eaLnBrk="1" latinLnBrk="0" hangingPunct="1">
+              <a:defRPr kumimoji="1" sz="1800" kern="1200">
+                <a:solidFill>
+                  <a:schemeClr val="tx1"/>
+                </a:solidFill>
+                <a:latin typeface="+mn-lt"/>
+                <a:ea typeface="+mn-ea"/>
+                <a:cs typeface="+mn-cs"/>
+              </a:defRPr>
+            </a:lvl9pPr>
+          </a:lstStyle>
+          <a:p>
+            <a:r>
+              <a:rPr lang="ja-JP" altLang="en-US" dirty="0"/>
+              <a:t>“</a:t>
+            </a:r>
             <a:r>
               <a:rPr lang="en-US" altLang="ja-JP" dirty="0"/>
-              <a:t>Copyright (C) 2019 Shigenori Ueda</a:t>
-            </a:r>
-          </a:p>
-          <a:p>
-            <a:pPr algn="ctr"/>
-            <a:r>
-              <a:rPr lang="en-US" altLang="ja-JP" dirty="0"/>
-              <a:t>Released under the MIT license</a:t>
-            </a:r>
-          </a:p>
-          <a:p>
-            <a:pPr algn="ctr"/>
-            <a:r>
-              <a:rPr lang="en-US" altLang="ja-JP" dirty="0">
-                <a:hlinkClick r:id="rId2"/>
+              <a:t>OpenModelica tutorial for beginner 6 Tips</a:t>
+            </a:r>
+            <a:r>
+              <a:rPr lang="ja-JP" altLang="en-US" dirty="0"/>
+              <a:t>” by </a:t>
+            </a:r>
+            <a:r>
+              <a:rPr lang="en-US" altLang="ja-JP" dirty="0" err="1"/>
+              <a:t>UedaShigenori</a:t>
+            </a:r>
+            <a:r>
+              <a:rPr lang="ja-JP" altLang="en-US" dirty="0"/>
+              <a:t> is licensed under </a:t>
+            </a:r>
+            <a:r>
+              <a:rPr lang="ja-JP" altLang="en-US" dirty="0">
+                <a:hlinkClick r:id="rId3"/>
               </a:rPr>
-              <a:t>https://opensource.org/licenses/mit-license.php</a:t>
-            </a:r>
-            <a:endParaRPr lang="en-US" altLang="ja-JP" dirty="0"/>
-          </a:p>
-          <a:p>
-            <a:pPr algn="ctr"/>
-            <a:endParaRPr lang="en-US" altLang="ja-JP" dirty="0"/>
+              <a:t>CC BY 2.0﻿</a:t>
+            </a:r>
+            <a:endParaRPr lang="ja-JP" altLang="en-US" dirty="0"/>
           </a:p>
         </p:txBody>
       </p:sp>
@@ -4507,7 +4650,7 @@
           </a:ln>
           <a:extLst>
             <a:ext uri="{C572A759-6A51-4108-AA02-DFA0A04FC94B}">
-              <ma14:wrappingTextBoxFlag xmlns:ma14="http://schemas.microsoft.com/office/mac/drawingml/2011/main" xmlns="" val="1"/>
+              <ma14:wrappingTextBoxFlag xmlns="" xmlns:ma14="http://schemas.microsoft.com/office/mac/drawingml/2011/main" val="1"/>
             </a:ext>
           </a:extLst>
         </p:spPr>
@@ -4547,8 +4690,8 @@
         </p:nvSpPr>
         <p:spPr>
           <a:xfrm>
-            <a:off x="417623" y="988732"/>
-            <a:ext cx="11774377" cy="830997"/>
+            <a:off x="179666" y="764214"/>
+            <a:ext cx="12082154" cy="830997"/>
           </a:xfrm>
           <a:prstGeom prst="rect">
             <a:avLst/>
@@ -4566,19 +4709,35 @@
               <a:t>OpenModelica</a:t>
             </a:r>
             <a:r>
-              <a:rPr kumimoji="1" lang="ja-JP" altLang="en-US" sz="2400" dirty="0" err="1"/>
-              <a:t>には</a:t>
-            </a:r>
-            <a:r>
               <a:rPr kumimoji="1" lang="ja-JP" altLang="en-US" sz="2400" dirty="0"/>
-              <a:t>モデルを作成し計算を実行するために様々な便利機能があります</a:t>
+              <a:t>にはモデルを作成し計算を実行するために様々な便利機能があります。</a:t>
             </a:r>
             <a:endParaRPr kumimoji="1" lang="en-US" altLang="ja-JP" sz="2400" dirty="0"/>
           </a:p>
           <a:p>
             <a:r>
               <a:rPr kumimoji="1" lang="ja-JP" altLang="en-US" sz="2400" dirty="0"/>
-              <a:t>今回は以下の便利技を紹介します</a:t>
+              <a:t>各</a:t>
+            </a:r>
+            <a:r>
+              <a:rPr kumimoji="1" lang="en-US" altLang="ja-JP" sz="2400" dirty="0"/>
+              <a:t>Tips</a:t>
+            </a:r>
+            <a:r>
+              <a:rPr kumimoji="1" lang="ja-JP" altLang="en-US" sz="2400" dirty="0"/>
+              <a:t>は</a:t>
+            </a:r>
+            <a:r>
+              <a:rPr kumimoji="1" lang="en-US" altLang="ja-JP" sz="2400" dirty="0" err="1"/>
+              <a:t>Github</a:t>
+            </a:r>
+            <a:r>
+              <a:rPr kumimoji="1" lang="ja-JP" altLang="en-US" sz="2400" dirty="0"/>
+              <a:t>内のフォルダをご参照ください。</a:t>
+            </a:r>
+            <a:r>
+              <a:rPr lang="ja-JP" altLang="en-US" sz="2400" dirty="0"/>
+              <a:t>今後も増やしていく予定です。</a:t>
             </a:r>
             <a:endParaRPr kumimoji="1" lang="en-US" altLang="ja-JP" sz="2400" dirty="0"/>
           </a:p>
@@ -4759,13 +4918,13 @@
           <p:nvPr>
             <p:extLst>
               <p:ext uri="{D42A27DB-BD31-4B8C-83A1-F6EECF244321}">
-                <p14:modId xmlns:p14="http://schemas.microsoft.com/office/powerpoint/2010/main" val="3141526741"/>
+                <p14:modId xmlns:p14="http://schemas.microsoft.com/office/powerpoint/2010/main" val="4217494395"/>
               </p:ext>
             </p:extLst>
           </p:nvPr>
         </p:nvGraphicFramePr>
         <p:xfrm>
-          <a:off x="827278" y="2141400"/>
+          <a:off x="700731" y="1827075"/>
           <a:ext cx="10526522" cy="4210378"/>
         </p:xfrm>
         <a:graphic>
@@ -4797,10 +4956,16 @@
                     <a:lstStyle/>
                     <a:p>
                       <a:r>
-                        <a:rPr kumimoji="1" lang="en-US" altLang="ja-JP" dirty="0"/>
+                        <a:rPr kumimoji="1" lang="en-US" altLang="ja-JP" dirty="0">
+                          <a:latin typeface="Meiryo UI" panose="020B0604030504040204" pitchFamily="50" charset="-128"/>
+                          <a:ea typeface="Meiryo UI" panose="020B0604030504040204" pitchFamily="50" charset="-128"/>
+                        </a:rPr>
                         <a:t>Tips</a:t>
                       </a:r>
-                      <a:endParaRPr kumimoji="1" lang="ja-JP" altLang="en-US" dirty="0"/>
+                      <a:endParaRPr kumimoji="1" lang="ja-JP" altLang="en-US" dirty="0">
+                        <a:latin typeface="Meiryo UI" panose="020B0604030504040204" pitchFamily="50" charset="-128"/>
+                        <a:ea typeface="Meiryo UI" panose="020B0604030504040204" pitchFamily="50" charset="-128"/>
+                      </a:endParaRPr>
                     </a:p>
                   </a:txBody>
                   <a:tcPr/>
@@ -4811,7 +4976,10 @@
                     <a:lstStyle/>
                     <a:p>
                       <a:r>
-                        <a:rPr kumimoji="1" lang="ja-JP" altLang="en-US" dirty="0"/>
+                        <a:rPr kumimoji="1" lang="ja-JP" altLang="en-US" dirty="0">
+                          <a:latin typeface="Meiryo UI" panose="020B0604030504040204" pitchFamily="50" charset="-128"/>
+                          <a:ea typeface="Meiryo UI" panose="020B0604030504040204" pitchFamily="50" charset="-128"/>
+                        </a:rPr>
                         <a:t>フォルダ</a:t>
                       </a:r>
                     </a:p>
@@ -4832,11 +5000,15 @@
                     <a:p>
                       <a:r>
                         <a:rPr kumimoji="1" lang="ja-JP" altLang="en-US" sz="1800" dirty="0">
+                          <a:latin typeface="Meiryo UI" panose="020B0604030504040204" pitchFamily="50" charset="-128"/>
                           <a:ea typeface="Meiryo UI" panose="020B0604030504040204" pitchFamily="50" charset="-128"/>
                         </a:rPr>
                         <a:t>作ったモデルを一つのファイルにまとめる</a:t>
                       </a:r>
-                      <a:endParaRPr kumimoji="1" lang="ja-JP" altLang="en-US" dirty="0"/>
+                      <a:endParaRPr kumimoji="1" lang="ja-JP" altLang="en-US" dirty="0">
+                        <a:latin typeface="Meiryo UI" panose="020B0604030504040204" pitchFamily="50" charset="-128"/>
+                        <a:ea typeface="Meiryo UI" panose="020B0604030504040204" pitchFamily="50" charset="-128"/>
+                      </a:endParaRPr>
                     </a:p>
                   </a:txBody>
                   <a:tcPr/>
@@ -4848,11 +5020,15 @@
                     <a:p>
                       <a:r>
                         <a:rPr lang="en-US" altLang="ja-JP" sz="1800" dirty="0">
+                          <a:latin typeface="Meiryo UI" panose="020B0604030504040204" pitchFamily="50" charset="-128"/>
                           <a:ea typeface="Meiryo UI" panose="020B0604030504040204" pitchFamily="50" charset="-128"/>
                         </a:rPr>
                         <a:t>01_MakePackage</a:t>
                       </a:r>
-                      <a:endParaRPr kumimoji="1" lang="ja-JP" altLang="en-US" dirty="0"/>
+                      <a:endParaRPr kumimoji="1" lang="ja-JP" altLang="en-US" dirty="0">
+                        <a:latin typeface="Meiryo UI" panose="020B0604030504040204" pitchFamily="50" charset="-128"/>
+                        <a:ea typeface="Meiryo UI" panose="020B0604030504040204" pitchFamily="50" charset="-128"/>
+                      </a:endParaRPr>
                     </a:p>
                   </a:txBody>
                   <a:tcPr/>
@@ -4871,23 +5047,29 @@
                     <a:p>
                       <a:r>
                         <a:rPr lang="ja-JP" altLang="en-US" sz="1800" dirty="0">
+                          <a:latin typeface="Meiryo UI" panose="020B0604030504040204" pitchFamily="50" charset="-128"/>
                           <a:ea typeface="Meiryo UI" panose="020B0604030504040204" pitchFamily="50" charset="-128"/>
                         </a:rPr>
                         <a:t>結果値を</a:t>
                       </a:r>
                       <a:r>
                         <a:rPr lang="en-US" altLang="ja-JP" sz="1800" dirty="0">
+                          <a:latin typeface="Meiryo UI" panose="020B0604030504040204" pitchFamily="50" charset="-128"/>
                           <a:ea typeface="Meiryo UI" panose="020B0604030504040204" pitchFamily="50" charset="-128"/>
                         </a:rPr>
                         <a:t>csv</a:t>
                       </a:r>
                       <a:r>
                         <a:rPr lang="ja-JP" altLang="en-US" sz="1800" dirty="0">
+                          <a:latin typeface="Meiryo UI" panose="020B0604030504040204" pitchFamily="50" charset="-128"/>
                           <a:ea typeface="Meiryo UI" panose="020B0604030504040204" pitchFamily="50" charset="-128"/>
                         </a:rPr>
                         <a:t>で出力する</a:t>
                       </a:r>
-                      <a:endParaRPr kumimoji="1" lang="ja-JP" altLang="en-US" dirty="0"/>
+                      <a:endParaRPr kumimoji="1" lang="ja-JP" altLang="en-US" dirty="0">
+                        <a:latin typeface="Meiryo UI" panose="020B0604030504040204" pitchFamily="50" charset="-128"/>
+                        <a:ea typeface="Meiryo UI" panose="020B0604030504040204" pitchFamily="50" charset="-128"/>
+                      </a:endParaRPr>
                     </a:p>
                   </a:txBody>
                   <a:tcPr/>
@@ -4898,16 +5080,23 @@
                     <a:lstStyle/>
                     <a:p>
                       <a:r>
-                        <a:rPr kumimoji="1" lang="en-US" altLang="ja-JP" dirty="0"/>
+                        <a:rPr kumimoji="1" lang="en-US" altLang="ja-JP" dirty="0">
+                          <a:latin typeface="Meiryo UI" panose="020B0604030504040204" pitchFamily="50" charset="-128"/>
+                          <a:ea typeface="Meiryo UI" panose="020B0604030504040204" pitchFamily="50" charset="-128"/>
+                        </a:rPr>
                         <a:t>02_</a:t>
                       </a:r>
                       <a:r>
                         <a:rPr lang="en-US" altLang="ja-JP" sz="1800" dirty="0">
+                          <a:latin typeface="Meiryo UI" panose="020B0604030504040204" pitchFamily="50" charset="-128"/>
                           <a:ea typeface="Meiryo UI" panose="020B0604030504040204" pitchFamily="50" charset="-128"/>
                         </a:rPr>
                         <a:t>ExportCSV</a:t>
                       </a:r>
-                      <a:endParaRPr kumimoji="1" lang="ja-JP" altLang="en-US" dirty="0"/>
+                      <a:endParaRPr kumimoji="1" lang="ja-JP" altLang="en-US" dirty="0">
+                        <a:latin typeface="Meiryo UI" panose="020B0604030504040204" pitchFamily="50" charset="-128"/>
+                        <a:ea typeface="Meiryo UI" panose="020B0604030504040204" pitchFamily="50" charset="-128"/>
+                      </a:endParaRPr>
                     </a:p>
                   </a:txBody>
                   <a:tcPr/>
@@ -4925,11 +5114,17 @@
                     <a:lstStyle/>
                     <a:p>
                       <a:r>
-                        <a:rPr kumimoji="1" lang="en-US" altLang="ja-JP" dirty="0"/>
+                        <a:rPr kumimoji="1" lang="en-US" altLang="ja-JP" dirty="0">
+                          <a:latin typeface="Meiryo UI" panose="020B0604030504040204" pitchFamily="50" charset="-128"/>
+                          <a:ea typeface="Meiryo UI" panose="020B0604030504040204" pitchFamily="50" charset="-128"/>
+                        </a:rPr>
                         <a:t>Table</a:t>
                       </a:r>
                       <a:r>
-                        <a:rPr kumimoji="1" lang="ja-JP" altLang="en-US" dirty="0"/>
+                        <a:rPr kumimoji="1" lang="ja-JP" altLang="en-US" dirty="0">
+                          <a:latin typeface="Meiryo UI" panose="020B0604030504040204" pitchFamily="50" charset="-128"/>
+                          <a:ea typeface="Meiryo UI" panose="020B0604030504040204" pitchFamily="50" charset="-128"/>
+                        </a:rPr>
                         <a:t>モデルの使い方</a:t>
                       </a:r>
                     </a:p>
@@ -4942,10 +5137,16 @@
                     <a:lstStyle/>
                     <a:p>
                       <a:r>
-                        <a:rPr kumimoji="1" lang="en-US" altLang="ja-JP" dirty="0"/>
+                        <a:rPr kumimoji="1" lang="en-US" altLang="ja-JP" dirty="0">
+                          <a:latin typeface="Meiryo UI" panose="020B0604030504040204" pitchFamily="50" charset="-128"/>
+                          <a:ea typeface="Meiryo UI" panose="020B0604030504040204" pitchFamily="50" charset="-128"/>
+                        </a:rPr>
                         <a:t>03_UsageTableModel</a:t>
                       </a:r>
-                      <a:endParaRPr kumimoji="1" lang="ja-JP" altLang="en-US" dirty="0"/>
+                      <a:endParaRPr kumimoji="1" lang="ja-JP" altLang="en-US" dirty="0">
+                        <a:latin typeface="Meiryo UI" panose="020B0604030504040204" pitchFamily="50" charset="-128"/>
+                        <a:ea typeface="Meiryo UI" panose="020B0604030504040204" pitchFamily="50" charset="-128"/>
+                      </a:endParaRPr>
                     </a:p>
                   </a:txBody>
                   <a:tcPr/>
@@ -4964,11 +5165,15 @@
                     <a:p>
                       <a:r>
                         <a:rPr kumimoji="1" lang="ja-JP" altLang="en-US" sz="1800" dirty="0">
+                          <a:latin typeface="Meiryo UI" panose="020B0604030504040204" pitchFamily="50" charset="-128"/>
                           <a:ea typeface="Meiryo UI" panose="020B0604030504040204" pitchFamily="50" charset="-128"/>
                         </a:rPr>
                         <a:t>パラメータを変更して素早く計算を実行する</a:t>
                       </a:r>
-                      <a:endParaRPr kumimoji="1" lang="ja-JP" altLang="en-US" dirty="0"/>
+                      <a:endParaRPr kumimoji="1" lang="ja-JP" altLang="en-US" dirty="0">
+                        <a:latin typeface="Meiryo UI" panose="020B0604030504040204" pitchFamily="50" charset="-128"/>
+                        <a:ea typeface="Meiryo UI" panose="020B0604030504040204" pitchFamily="50" charset="-128"/>
+                      </a:endParaRPr>
                     </a:p>
                   </a:txBody>
                   <a:tcPr/>
@@ -4978,7 +5183,13 @@
                     <a:bodyPr/>
                     <a:lstStyle/>
                     <a:p>
-                      <a:endParaRPr kumimoji="1" lang="ja-JP" altLang="en-US" dirty="0"/>
+                      <a:r>
+                        <a:rPr kumimoji="1" lang="ja-JP" altLang="en-US" dirty="0">
+                          <a:latin typeface="Meiryo UI" panose="020B0604030504040204" pitchFamily="50" charset="-128"/>
+                          <a:ea typeface="Meiryo UI" panose="020B0604030504040204" pitchFamily="50" charset="-128"/>
+                        </a:rPr>
+                        <a:t>未作成</a:t>
+                      </a:r>
                     </a:p>
                   </a:txBody>
                   <a:tcPr/>
@@ -4997,11 +5208,15 @@
                     <a:p>
                       <a:r>
                         <a:rPr kumimoji="1" lang="ja-JP" altLang="en-US" sz="1800" dirty="0">
+                          <a:latin typeface="Meiryo UI" panose="020B0604030504040204" pitchFamily="50" charset="-128"/>
                           <a:ea typeface="Meiryo UI" panose="020B0604030504040204" pitchFamily="50" charset="-128"/>
                         </a:rPr>
                         <a:t>一つのパラメータを変更すると他のパラメータも変わるようにする</a:t>
                       </a:r>
-                      <a:endParaRPr kumimoji="1" lang="ja-JP" altLang="en-US" dirty="0"/>
+                      <a:endParaRPr kumimoji="1" lang="ja-JP" altLang="en-US" dirty="0">
+                        <a:latin typeface="Meiryo UI" panose="020B0604030504040204" pitchFamily="50" charset="-128"/>
+                        <a:ea typeface="Meiryo UI" panose="020B0604030504040204" pitchFamily="50" charset="-128"/>
+                      </a:endParaRPr>
                     </a:p>
                   </a:txBody>
                   <a:tcPr/>
@@ -5011,7 +5226,17 @@
                     <a:bodyPr/>
                     <a:lstStyle/>
                     <a:p>
-                      <a:endParaRPr kumimoji="1" lang="en-US" altLang="ja-JP" dirty="0"/>
+                      <a:r>
+                        <a:rPr kumimoji="1" lang="ja-JP" altLang="en-US" dirty="0">
+                          <a:latin typeface="Meiryo UI" panose="020B0604030504040204" pitchFamily="50" charset="-128"/>
+                          <a:ea typeface="Meiryo UI" panose="020B0604030504040204" pitchFamily="50" charset="-128"/>
+                        </a:rPr>
+                        <a:t>未作成</a:t>
+                      </a:r>
+                      <a:endParaRPr kumimoji="1" lang="en-US" altLang="ja-JP" dirty="0">
+                        <a:latin typeface="Meiryo UI" panose="020B0604030504040204" pitchFamily="50" charset="-128"/>
+                        <a:ea typeface="Meiryo UI" panose="020B0604030504040204" pitchFamily="50" charset="-128"/>
+                      </a:endParaRPr>
                     </a:p>
                   </a:txBody>
                   <a:tcPr/>
@@ -5030,11 +5255,15 @@
                     <a:p>
                       <a:r>
                         <a:rPr lang="ja-JP" altLang="en-US" sz="1800" dirty="0">
+                          <a:latin typeface="Meiryo UI" panose="020B0604030504040204" pitchFamily="50" charset="-128"/>
                           <a:ea typeface="Meiryo UI" panose="020B0604030504040204" pitchFamily="50" charset="-128"/>
                         </a:rPr>
                         <a:t>モデルの計算式を確認する</a:t>
                       </a:r>
-                      <a:endParaRPr kumimoji="1" lang="ja-JP" altLang="en-US" dirty="0"/>
+                      <a:endParaRPr kumimoji="1" lang="ja-JP" altLang="en-US" dirty="0">
+                        <a:latin typeface="Meiryo UI" panose="020B0604030504040204" pitchFamily="50" charset="-128"/>
+                        <a:ea typeface="Meiryo UI" panose="020B0604030504040204" pitchFamily="50" charset="-128"/>
+                      </a:endParaRPr>
                     </a:p>
                   </a:txBody>
                   <a:tcPr/>
@@ -5044,7 +5273,17 @@
                     <a:bodyPr/>
                     <a:lstStyle/>
                     <a:p>
-                      <a:endParaRPr kumimoji="1" lang="en-US" altLang="ja-JP" dirty="0"/>
+                      <a:r>
+                        <a:rPr kumimoji="1" lang="ja-JP" altLang="en-US" dirty="0">
+                          <a:latin typeface="Meiryo UI" panose="020B0604030504040204" pitchFamily="50" charset="-128"/>
+                          <a:ea typeface="Meiryo UI" panose="020B0604030504040204" pitchFamily="50" charset="-128"/>
+                        </a:rPr>
+                        <a:t>未作成</a:t>
+                      </a:r>
+                      <a:endParaRPr kumimoji="1" lang="en-US" altLang="ja-JP" dirty="0">
+                        <a:latin typeface="Meiryo UI" panose="020B0604030504040204" pitchFamily="50" charset="-128"/>
+                        <a:ea typeface="Meiryo UI" panose="020B0604030504040204" pitchFamily="50" charset="-128"/>
+                      </a:endParaRPr>
                     </a:p>
                   </a:txBody>
                   <a:tcPr/>
@@ -5061,7 +5300,9 @@
                     <a:bodyPr/>
                     <a:lstStyle/>
                     <a:p>
-                      <a:endParaRPr kumimoji="1" lang="ja-JP" altLang="en-US" dirty="0"/>
+                      <a:endParaRPr kumimoji="1" lang="ja-JP" altLang="en-US" dirty="0">
+                        <a:latin typeface="游ゴシック 本文"/>
+                      </a:endParaRPr>
                     </a:p>
                   </a:txBody>
                   <a:tcPr/>
@@ -5071,7 +5312,10 @@
                     <a:bodyPr/>
                     <a:lstStyle/>
                     <a:p>
-                      <a:endParaRPr kumimoji="1" lang="en-US" altLang="ja-JP" dirty="0"/>
+                      <a:endParaRPr kumimoji="1" lang="en-US" altLang="ja-JP" dirty="0">
+                        <a:latin typeface="Meiryo UI" panose="020B0604030504040204" pitchFamily="50" charset="-128"/>
+                        <a:ea typeface="Meiryo UI" panose="020B0604030504040204" pitchFamily="50" charset="-128"/>
+                      </a:endParaRPr>
                     </a:p>
                   </a:txBody>
                   <a:tcPr/>
